--- a/Presentation.pptx
+++ b/Presentation.pptx
@@ -6,8 +6,9 @@
   </p:sldMasterIdLst>
   <p:sldIdLst>
     <p:sldId id="256" r:id="rId2"/>
-    <p:sldId id="258" r:id="rId3"/>
-    <p:sldId id="259" r:id="rId4"/>
+    <p:sldId id="260" r:id="rId3"/>
+    <p:sldId id="258" r:id="rId4"/>
+    <p:sldId id="259" r:id="rId5"/>
   </p:sldIdLst>
   <p:sldSz cx="12192000" cy="6858000"/>
   <p:notesSz cx="6858000" cy="9144000"/>
@@ -3426,6 +3427,92 @@
           <p:cNvPr id="2" name="Title 1">
             <a:extLst>
               <a:ext uri="{FF2B5EF4-FFF2-40B4-BE49-F238E27FC236}">
+                <a16:creationId xmlns:a16="http://schemas.microsoft.com/office/drawing/2014/main" id="{99018B11-F42E-D84F-A4A4-A391F39CC336}"/>
+              </a:ext>
+            </a:extLst>
+          </p:cNvPr>
+          <p:cNvSpPr>
+            <a:spLocks noGrp="1"/>
+          </p:cNvSpPr>
+          <p:nvPr>
+            <p:ph type="title"/>
+          </p:nvPr>
+        </p:nvSpPr>
+        <p:spPr/>
+        <p:txBody>
+          <a:bodyPr/>
+          <a:lstStyle/>
+          <a:p>
+            <a:r>
+              <a:rPr lang="en-US" dirty="0"/>
+              <a:t>      				Wire Frame</a:t>
+            </a:r>
+          </a:p>
+        </p:txBody>
+      </p:sp>
+      <p:pic>
+        <p:nvPicPr>
+          <p:cNvPr id="5" name="Content Placeholder 4">
+            <a:extLst>
+              <a:ext uri="{FF2B5EF4-FFF2-40B4-BE49-F238E27FC236}">
+                <a16:creationId xmlns:a16="http://schemas.microsoft.com/office/drawing/2014/main" id="{DCA64F3A-4F9E-E04C-921F-F82FC63D1B85}"/>
+              </a:ext>
+            </a:extLst>
+          </p:cNvPr>
+          <p:cNvPicPr>
+            <a:picLocks noGrp="1" noChangeAspect="1"/>
+          </p:cNvPicPr>
+          <p:nvPr>
+            <p:ph idx="1"/>
+          </p:nvPr>
+        </p:nvPicPr>
+        <p:blipFill rotWithShape="1">
+          <a:blip r:embed="rId2"/>
+          <a:srcRect b="60202"/>
+          <a:stretch/>
+        </p:blipFill>
+        <p:spPr>
+          <a:xfrm>
+            <a:off x="2336185" y="1888255"/>
+            <a:ext cx="7519629" cy="4405635"/>
+          </a:xfrm>
+        </p:spPr>
+      </p:pic>
+    </p:spTree>
+    <p:extLst>
+      <p:ext uri="{BB962C8B-B14F-4D97-AF65-F5344CB8AC3E}">
+        <p14:creationId xmlns:p14="http://schemas.microsoft.com/office/powerpoint/2010/main" val="2798938281"/>
+      </p:ext>
+    </p:extLst>
+  </p:cSld>
+  <p:clrMapOvr>
+    <a:masterClrMapping/>
+  </p:clrMapOvr>
+</p:sld>
+</file>
+
+<file path=ppt/slides/slide3.xml><?xml version="1.0" encoding="utf-8"?>
+<p:sld xmlns:a="http://schemas.openxmlformats.org/drawingml/2006/main" xmlns:r="http://schemas.openxmlformats.org/officeDocument/2006/relationships" xmlns:p="http://schemas.openxmlformats.org/presentationml/2006/main">
+  <p:cSld>
+    <p:spTree>
+      <p:nvGrpSpPr>
+        <p:cNvPr id="1" name=""/>
+        <p:cNvGrpSpPr/>
+        <p:nvPr/>
+      </p:nvGrpSpPr>
+      <p:grpSpPr>
+        <a:xfrm>
+          <a:off x="0" y="0"/>
+          <a:ext cx="0" cy="0"/>
+          <a:chOff x="0" y="0"/>
+          <a:chExt cx="0" cy="0"/>
+        </a:xfrm>
+      </p:grpSpPr>
+      <p:sp>
+        <p:nvSpPr>
+          <p:cNvPr id="2" name="Title 1">
+            <a:extLst>
+              <a:ext uri="{FF2B5EF4-FFF2-40B4-BE49-F238E27FC236}">
                 <a16:creationId xmlns:a16="http://schemas.microsoft.com/office/drawing/2014/main" id="{12520C9E-7769-3C4D-A41E-D109D950CD6B}"/>
               </a:ext>
             </a:extLst>
@@ -3502,7 +3589,7 @@
 </p:sld>
 </file>
 
-<file path=ppt/slides/slide3.xml><?xml version="1.0" encoding="utf-8"?>
+<file path=ppt/slides/slide4.xml><?xml version="1.0" encoding="utf-8"?>
 <p:sld xmlns:a="http://schemas.openxmlformats.org/drawingml/2006/main" xmlns:r="http://schemas.openxmlformats.org/officeDocument/2006/relationships" xmlns:p="http://schemas.openxmlformats.org/presentationml/2006/main">
   <p:cSld>
     <p:spTree>

--- a/Presentation.pptx
+++ b/Presentation.pptx
@@ -6,9 +6,10 @@
   </p:sldMasterIdLst>
   <p:sldIdLst>
     <p:sldId id="256" r:id="rId2"/>
-    <p:sldId id="260" r:id="rId3"/>
-    <p:sldId id="258" r:id="rId4"/>
-    <p:sldId id="259" r:id="rId5"/>
+    <p:sldId id="261" r:id="rId3"/>
+    <p:sldId id="260" r:id="rId4"/>
+    <p:sldId id="258" r:id="rId5"/>
+    <p:sldId id="259" r:id="rId6"/>
   </p:sldIdLst>
   <p:sldSz cx="12192000" cy="6858000"/>
   <p:notesSz cx="6858000" cy="9144000"/>
@@ -3347,47 +3348,46 @@
         </p:nvSpPr>
         <p:spPr/>
         <p:txBody>
-          <a:bodyPr/>
-          <a:lstStyle/>
-          <a:p>
-            <a:r>
-              <a:rPr lang="en-US" dirty="0" err="1"/>
-              <a:t>Carster</a:t>
-            </a:r>
-            <a:endParaRPr lang="en-US" dirty="0"/>
-          </a:p>
-        </p:txBody>
-      </p:sp>
-      <p:sp>
-        <p:nvSpPr>
-          <p:cNvPr id="3" name="Subtitle 2">
-            <a:extLst>
-              <a:ext uri="{FF2B5EF4-FFF2-40B4-BE49-F238E27FC236}">
-                <a16:creationId xmlns:a16="http://schemas.microsoft.com/office/drawing/2014/main" id="{2B84CE56-2430-424E-9B48-BF8DB374541A}"/>
-              </a:ext>
-            </a:extLst>
-          </p:cNvPr>
-          <p:cNvSpPr>
-            <a:spLocks noGrp="1"/>
-          </p:cNvSpPr>
-          <p:nvPr>
-            <p:ph type="subTitle" idx="1"/>
-          </p:nvPr>
-        </p:nvSpPr>
-        <p:spPr/>
-        <p:txBody>
-          <a:bodyPr/>
+          <a:bodyPr>
+            <a:normAutofit/>
+          </a:bodyPr>
           <a:lstStyle/>
           <a:p>
             <a:r>
               <a:rPr lang="en-US" dirty="0"/>
               <a:t>Cars For Days</a:t>
             </a:r>
-          </a:p>
-          <a:p>
-            <a:r>
+            <a:br>
               <a:rPr lang="en-US" dirty="0"/>
-              <a:t>   Buy/ Trade/ Sell Cars</a:t>
+            </a:br>
+            <a:endParaRPr lang="en-US" dirty="0"/>
+          </a:p>
+        </p:txBody>
+      </p:sp>
+      <p:sp>
+        <p:nvSpPr>
+          <p:cNvPr id="3" name="Subtitle 2">
+            <a:extLst>
+              <a:ext uri="{FF2B5EF4-FFF2-40B4-BE49-F238E27FC236}">
+                <a16:creationId xmlns:a16="http://schemas.microsoft.com/office/drawing/2014/main" id="{2B84CE56-2430-424E-9B48-BF8DB374541A}"/>
+              </a:ext>
+            </a:extLst>
+          </p:cNvPr>
+          <p:cNvSpPr>
+            <a:spLocks noGrp="1"/>
+          </p:cNvSpPr>
+          <p:nvPr>
+            <p:ph type="subTitle" idx="1"/>
+          </p:nvPr>
+        </p:nvSpPr>
+        <p:spPr/>
+        <p:txBody>
+          <a:bodyPr/>
+          <a:lstStyle/>
+          <a:p>
+            <a:r>
+              <a:rPr lang="en-US" dirty="0"/>
+              <a:t>Buy/ Trade/ Sell Cars</a:t>
             </a:r>
           </a:p>
         </p:txBody>
@@ -3427,6 +3427,98 @@
           <p:cNvPr id="2" name="Title 1">
             <a:extLst>
               <a:ext uri="{FF2B5EF4-FFF2-40B4-BE49-F238E27FC236}">
+                <a16:creationId xmlns:a16="http://schemas.microsoft.com/office/drawing/2014/main" id="{2AC1AC49-1AED-3F4F-9C37-D831DEAEE20A}"/>
+              </a:ext>
+            </a:extLst>
+          </p:cNvPr>
+          <p:cNvSpPr>
+            <a:spLocks noGrp="1"/>
+          </p:cNvSpPr>
+          <p:nvPr>
+            <p:ph type="title"/>
+          </p:nvPr>
+        </p:nvSpPr>
+        <p:spPr/>
+        <p:txBody>
+          <a:bodyPr/>
+          <a:lstStyle/>
+          <a:p>
+            <a:r>
+              <a:rPr lang="en-US" dirty="0"/>
+              <a:t>			      Our Mission</a:t>
+            </a:r>
+          </a:p>
+        </p:txBody>
+      </p:sp>
+      <p:sp>
+        <p:nvSpPr>
+          <p:cNvPr id="3" name="Content Placeholder 2">
+            <a:extLst>
+              <a:ext uri="{FF2B5EF4-FFF2-40B4-BE49-F238E27FC236}">
+                <a16:creationId xmlns:a16="http://schemas.microsoft.com/office/drawing/2014/main" id="{B97C8949-E431-684C-A0DC-588CD5184C63}"/>
+              </a:ext>
+            </a:extLst>
+          </p:cNvPr>
+          <p:cNvSpPr>
+            <a:spLocks noGrp="1"/>
+          </p:cNvSpPr>
+          <p:nvPr>
+            <p:ph idx="1"/>
+          </p:nvPr>
+        </p:nvSpPr>
+        <p:spPr/>
+        <p:txBody>
+          <a:bodyPr/>
+          <a:lstStyle/>
+          <a:p>
+            <a:r>
+              <a:rPr lang="en-US" dirty="0"/>
+              <a:t>To get everyone a car </a:t>
+            </a:r>
+          </a:p>
+          <a:p>
+            <a:r>
+              <a:rPr lang="en-US" dirty="0"/>
+              <a:t>And have tons of cars available for days</a:t>
+            </a:r>
+          </a:p>
+        </p:txBody>
+      </p:sp>
+    </p:spTree>
+    <p:extLst>
+      <p:ext uri="{BB962C8B-B14F-4D97-AF65-F5344CB8AC3E}">
+        <p14:creationId xmlns:p14="http://schemas.microsoft.com/office/powerpoint/2010/main" val="1564111400"/>
+      </p:ext>
+    </p:extLst>
+  </p:cSld>
+  <p:clrMapOvr>
+    <a:masterClrMapping/>
+  </p:clrMapOvr>
+</p:sld>
+</file>
+
+<file path=ppt/slides/slide3.xml><?xml version="1.0" encoding="utf-8"?>
+<p:sld xmlns:a="http://schemas.openxmlformats.org/drawingml/2006/main" xmlns:r="http://schemas.openxmlformats.org/officeDocument/2006/relationships" xmlns:p="http://schemas.openxmlformats.org/presentationml/2006/main">
+  <p:cSld>
+    <p:spTree>
+      <p:nvGrpSpPr>
+        <p:cNvPr id="1" name=""/>
+        <p:cNvGrpSpPr/>
+        <p:nvPr/>
+      </p:nvGrpSpPr>
+      <p:grpSpPr>
+        <a:xfrm>
+          <a:off x="0" y="0"/>
+          <a:ext cx="0" cy="0"/>
+          <a:chOff x="0" y="0"/>
+          <a:chExt cx="0" cy="0"/>
+        </a:xfrm>
+      </p:grpSpPr>
+      <p:sp>
+        <p:nvSpPr>
+          <p:cNvPr id="2" name="Title 1">
+            <a:extLst>
+              <a:ext uri="{FF2B5EF4-FFF2-40B4-BE49-F238E27FC236}">
                 <a16:creationId xmlns:a16="http://schemas.microsoft.com/office/drawing/2014/main" id="{99018B11-F42E-D84F-A4A4-A391F39CC336}"/>
               </a:ext>
             </a:extLst>
@@ -3491,7 +3583,7 @@
 </p:sld>
 </file>
 
-<file path=ppt/slides/slide3.xml><?xml version="1.0" encoding="utf-8"?>
+<file path=ppt/slides/slide4.xml><?xml version="1.0" encoding="utf-8"?>
 <p:sld xmlns:a="http://schemas.openxmlformats.org/drawingml/2006/main" xmlns:r="http://schemas.openxmlformats.org/officeDocument/2006/relationships" xmlns:p="http://schemas.openxmlformats.org/presentationml/2006/main">
   <p:cSld>
     <p:spTree>
@@ -3589,7 +3681,7 @@
 </p:sld>
 </file>
 
-<file path=ppt/slides/slide4.xml><?xml version="1.0" encoding="utf-8"?>
+<file path=ppt/slides/slide5.xml><?xml version="1.0" encoding="utf-8"?>
 <p:sld xmlns:a="http://schemas.openxmlformats.org/drawingml/2006/main" xmlns:r="http://schemas.openxmlformats.org/officeDocument/2006/relationships" xmlns:p="http://schemas.openxmlformats.org/presentationml/2006/main">
   <p:cSld>
     <p:spTree>
